--- a/day1/img/von_neumann_architecture.pptx
+++ b/day1/img/von_neumann_architecture.pptx
@@ -259,7 +259,7 @@
           <a:p>
             <a:fld id="{627363DA-371D-6B49-AC2A-F2335B149B3E}" type="datetimeFigureOut">
               <a:rPr lang="en-US" smtClean="0"/>
-              <a:t>5/27/20</a:t>
+              <a:t>5/31/20</a:t>
             </a:fld>
             <a:endParaRPr lang="en-US"/>
           </a:p>
@@ -457,7 +457,7 @@
           <a:p>
             <a:fld id="{627363DA-371D-6B49-AC2A-F2335B149B3E}" type="datetimeFigureOut">
               <a:rPr lang="en-US" smtClean="0"/>
-              <a:t>5/27/20</a:t>
+              <a:t>5/31/20</a:t>
             </a:fld>
             <a:endParaRPr lang="en-US"/>
           </a:p>
@@ -665,7 +665,7 @@
           <a:p>
             <a:fld id="{627363DA-371D-6B49-AC2A-F2335B149B3E}" type="datetimeFigureOut">
               <a:rPr lang="en-US" smtClean="0"/>
-              <a:t>5/27/20</a:t>
+              <a:t>5/31/20</a:t>
             </a:fld>
             <a:endParaRPr lang="en-US"/>
           </a:p>
@@ -863,7 +863,7 @@
           <a:p>
             <a:fld id="{627363DA-371D-6B49-AC2A-F2335B149B3E}" type="datetimeFigureOut">
               <a:rPr lang="en-US" smtClean="0"/>
-              <a:t>5/27/20</a:t>
+              <a:t>5/31/20</a:t>
             </a:fld>
             <a:endParaRPr lang="en-US"/>
           </a:p>
@@ -1138,7 +1138,7 @@
           <a:p>
             <a:fld id="{627363DA-371D-6B49-AC2A-F2335B149B3E}" type="datetimeFigureOut">
               <a:rPr lang="en-US" smtClean="0"/>
-              <a:t>5/27/20</a:t>
+              <a:t>5/31/20</a:t>
             </a:fld>
             <a:endParaRPr lang="en-US"/>
           </a:p>
@@ -1403,7 +1403,7 @@
           <a:p>
             <a:fld id="{627363DA-371D-6B49-AC2A-F2335B149B3E}" type="datetimeFigureOut">
               <a:rPr lang="en-US" smtClean="0"/>
-              <a:t>5/27/20</a:t>
+              <a:t>5/31/20</a:t>
             </a:fld>
             <a:endParaRPr lang="en-US"/>
           </a:p>
@@ -1815,7 +1815,7 @@
           <a:p>
             <a:fld id="{627363DA-371D-6B49-AC2A-F2335B149B3E}" type="datetimeFigureOut">
               <a:rPr lang="en-US" smtClean="0"/>
-              <a:t>5/27/20</a:t>
+              <a:t>5/31/20</a:t>
             </a:fld>
             <a:endParaRPr lang="en-US"/>
           </a:p>
@@ -1956,7 +1956,7 @@
           <a:p>
             <a:fld id="{627363DA-371D-6B49-AC2A-F2335B149B3E}" type="datetimeFigureOut">
               <a:rPr lang="en-US" smtClean="0"/>
-              <a:t>5/27/20</a:t>
+              <a:t>5/31/20</a:t>
             </a:fld>
             <a:endParaRPr lang="en-US"/>
           </a:p>
@@ -2069,7 +2069,7 @@
           <a:p>
             <a:fld id="{627363DA-371D-6B49-AC2A-F2335B149B3E}" type="datetimeFigureOut">
               <a:rPr lang="en-US" smtClean="0"/>
-              <a:t>5/27/20</a:t>
+              <a:t>5/31/20</a:t>
             </a:fld>
             <a:endParaRPr lang="en-US"/>
           </a:p>
@@ -2380,7 +2380,7 @@
           <a:p>
             <a:fld id="{627363DA-371D-6B49-AC2A-F2335B149B3E}" type="datetimeFigureOut">
               <a:rPr lang="en-US" smtClean="0"/>
-              <a:t>5/27/20</a:t>
+              <a:t>5/31/20</a:t>
             </a:fld>
             <a:endParaRPr lang="en-US"/>
           </a:p>
@@ -2668,7 +2668,7 @@
           <a:p>
             <a:fld id="{627363DA-371D-6B49-AC2A-F2335B149B3E}" type="datetimeFigureOut">
               <a:rPr lang="en-US" smtClean="0"/>
-              <a:t>5/27/20</a:t>
+              <a:t>5/31/20</a:t>
             </a:fld>
             <a:endParaRPr lang="en-US"/>
           </a:p>
@@ -2909,7 +2909,7 @@
           <a:p>
             <a:fld id="{627363DA-371D-6B49-AC2A-F2335B149B3E}" type="datetimeFigureOut">
               <a:rPr lang="en-US" smtClean="0"/>
-              <a:t>5/27/20</a:t>
+              <a:t>5/31/20</a:t>
             </a:fld>
             <a:endParaRPr lang="en-US"/>
           </a:p>
@@ -3328,6 +3328,62 @@
       </p:grpSpPr>
       <p:sp>
         <p:nvSpPr>
+          <p:cNvPr id="11" name="Rounded Rectangle 10">
+            <a:extLst>
+              <a:ext uri="{FF2B5EF4-FFF2-40B4-BE49-F238E27FC236}">
+                <a16:creationId xmlns:a16="http://schemas.microsoft.com/office/drawing/2014/main" id="{A2551393-260D-414C-8897-7E6A20560A15}"/>
+              </a:ext>
+            </a:extLst>
+          </p:cNvPr>
+          <p:cNvSpPr/>
+          <p:nvPr/>
+        </p:nvSpPr>
+        <p:spPr>
+          <a:xfrm>
+            <a:off x="555319" y="1839967"/>
+            <a:ext cx="1124606" cy="472966"/>
+          </a:xfrm>
+          <a:prstGeom prst="roundRect">
+            <a:avLst/>
+          </a:prstGeom>
+          <a:solidFill>
+            <a:schemeClr val="accent5">
+              <a:lumMod val="60000"/>
+              <a:lumOff val="40000"/>
+            </a:schemeClr>
+          </a:solidFill>
+        </p:spPr>
+        <p:style>
+          <a:lnRef idx="3">
+            <a:schemeClr val="lt1"/>
+          </a:lnRef>
+          <a:fillRef idx="1">
+            <a:schemeClr val="accent1"/>
+          </a:fillRef>
+          <a:effectRef idx="1">
+            <a:schemeClr val="accent1"/>
+          </a:effectRef>
+          <a:fontRef idx="minor">
+            <a:schemeClr val="lt1"/>
+          </a:fontRef>
+        </p:style>
+        <p:txBody>
+          <a:bodyPr rtlCol="0" anchor="ctr"/>
+          <a:lstStyle/>
+          <a:p>
+            <a:r>
+              <a:rPr lang="en-US">
+                <a:solidFill>
+                  <a:schemeClr val="lt1"/>
+                </a:solidFill>
+              </a:rPr>
+              <a:t>Clock</a:t>
+            </a:r>
+          </a:p>
+        </p:txBody>
+      </p:sp>
+      <p:sp>
+        <p:nvSpPr>
           <p:cNvPr id="4" name="Rounded Rectangle 3">
             <a:extLst>
               <a:ext uri="{FF2B5EF4-FFF2-40B4-BE49-F238E27FC236}">
@@ -3690,6 +3746,1088 @@
               <a:rPr lang="en-US" dirty="0"/>
               <a:t>Data</a:t>
             </a:r>
+          </a:p>
+        </p:txBody>
+      </p:sp>
+      <p:pic>
+        <p:nvPicPr>
+          <p:cNvPr id="3" name="Picture 2" descr="A picture containing building&#10;&#10;Description automatically generated">
+            <a:extLst>
+              <a:ext uri="{FF2B5EF4-FFF2-40B4-BE49-F238E27FC236}">
+                <a16:creationId xmlns:a16="http://schemas.microsoft.com/office/drawing/2014/main" id="{4BD70B82-7282-0E47-993B-C4296E610A25}"/>
+              </a:ext>
+            </a:extLst>
+          </p:cNvPr>
+          <p:cNvPicPr>
+            <a:picLocks noChangeAspect="1"/>
+          </p:cNvPicPr>
+          <p:nvPr/>
+        </p:nvPicPr>
+        <p:blipFill>
+          <a:blip r:embed="rId2">
+            <a:alphaModFix/>
+            <a:extLst>
+              <a:ext uri="{BEBA8EAE-BF5A-486C-A8C5-ECC9F3942E4B}">
+                <a14:imgProps xmlns:a14="http://schemas.microsoft.com/office/drawing/2010/main">
+                  <a14:imgLayer r:embed="rId3">
+                    <a14:imgEffect>
+                      <a14:brightnessContrast bright="100000" contrast="-26000"/>
+                    </a14:imgEffect>
+                  </a14:imgLayer>
+                </a14:imgProps>
+              </a:ext>
+            </a:extLst>
+          </a:blip>
+          <a:stretch>
+            <a:fillRect/>
+          </a:stretch>
+        </p:blipFill>
+        <p:spPr>
+          <a:xfrm>
+            <a:off x="1275004" y="1948848"/>
+            <a:ext cx="275896" cy="275896"/>
+          </a:xfrm>
+          <a:prstGeom prst="rect">
+            <a:avLst/>
+          </a:prstGeom>
+        </p:spPr>
+      </p:pic>
+      <p:sp>
+        <p:nvSpPr>
+          <p:cNvPr id="16" name="Freeform 15">
+            <a:extLst>
+              <a:ext uri="{FF2B5EF4-FFF2-40B4-BE49-F238E27FC236}">
+                <a16:creationId xmlns:a16="http://schemas.microsoft.com/office/drawing/2014/main" id="{3736E222-F94D-EE46-9A3C-B707740B3ACB}"/>
+              </a:ext>
+            </a:extLst>
+          </p:cNvPr>
+          <p:cNvSpPr/>
+          <p:nvPr/>
+        </p:nvSpPr>
+        <p:spPr>
+          <a:xfrm>
+            <a:off x="1665749" y="1938227"/>
+            <a:ext cx="432391" cy="304800"/>
+          </a:xfrm>
+          <a:custGeom>
+            <a:avLst/>
+            <a:gdLst>
+              <a:gd name="connsiteX0" fmla="*/ 0 w 432391"/>
+              <a:gd name="connsiteY0" fmla="*/ 0 h 304800"/>
+              <a:gd name="connsiteX1" fmla="*/ 191386 w 432391"/>
+              <a:gd name="connsiteY1" fmla="*/ 0 h 304800"/>
+              <a:gd name="connsiteX2" fmla="*/ 191386 w 432391"/>
+              <a:gd name="connsiteY2" fmla="*/ 304800 h 304800"/>
+              <a:gd name="connsiteX3" fmla="*/ 276447 w 432391"/>
+              <a:gd name="connsiteY3" fmla="*/ 304800 h 304800"/>
+              <a:gd name="connsiteX4" fmla="*/ 432391 w 432391"/>
+              <a:gd name="connsiteY4" fmla="*/ 304800 h 304800"/>
+              <a:gd name="connsiteX5" fmla="*/ 432391 w 432391"/>
+              <a:gd name="connsiteY5" fmla="*/ 0 h 304800"/>
+            </a:gdLst>
+            <a:ahLst/>
+            <a:cxnLst>
+              <a:cxn ang="0">
+                <a:pos x="connsiteX0" y="connsiteY0"/>
+              </a:cxn>
+              <a:cxn ang="0">
+                <a:pos x="connsiteX1" y="connsiteY1"/>
+              </a:cxn>
+              <a:cxn ang="0">
+                <a:pos x="connsiteX2" y="connsiteY2"/>
+              </a:cxn>
+              <a:cxn ang="0">
+                <a:pos x="connsiteX3" y="connsiteY3"/>
+              </a:cxn>
+              <a:cxn ang="0">
+                <a:pos x="connsiteX4" y="connsiteY4"/>
+              </a:cxn>
+              <a:cxn ang="0">
+                <a:pos x="connsiteX5" y="connsiteY5"/>
+              </a:cxn>
+            </a:cxnLst>
+            <a:rect l="l" t="t" r="r" b="b"/>
+            <a:pathLst>
+              <a:path w="432391" h="304800">
+                <a:moveTo>
+                  <a:pt x="0" y="0"/>
+                </a:moveTo>
+                <a:lnTo>
+                  <a:pt x="191386" y="0"/>
+                </a:lnTo>
+                <a:lnTo>
+                  <a:pt x="191386" y="304800"/>
+                </a:lnTo>
+                <a:lnTo>
+                  <a:pt x="276447" y="304800"/>
+                </a:lnTo>
+                <a:lnTo>
+                  <a:pt x="432391" y="304800"/>
+                </a:lnTo>
+                <a:lnTo>
+                  <a:pt x="432391" y="0"/>
+                </a:lnTo>
+              </a:path>
+            </a:pathLst>
+          </a:custGeom>
+          <a:noFill/>
+          <a:ln w="44450">
+            <a:solidFill>
+              <a:schemeClr val="tx1"/>
+            </a:solidFill>
+          </a:ln>
+        </p:spPr>
+        <p:style>
+          <a:lnRef idx="2">
+            <a:schemeClr val="accent1">
+              <a:shade val="50000"/>
+            </a:schemeClr>
+          </a:lnRef>
+          <a:fillRef idx="1">
+            <a:schemeClr val="accent1"/>
+          </a:fillRef>
+          <a:effectRef idx="0">
+            <a:schemeClr val="accent1"/>
+          </a:effectRef>
+          <a:fontRef idx="minor">
+            <a:schemeClr val="lt1"/>
+          </a:fontRef>
+        </p:style>
+        <p:txBody>
+          <a:bodyPr rtlCol="0" anchor="ctr"/>
+          <a:lstStyle/>
+          <a:p>
+            <a:pPr algn="ctr"/>
+            <a:endParaRPr lang="en-US"/>
+          </a:p>
+        </p:txBody>
+      </p:sp>
+      <p:sp>
+        <p:nvSpPr>
+          <p:cNvPr id="17" name="Freeform 16">
+            <a:extLst>
+              <a:ext uri="{FF2B5EF4-FFF2-40B4-BE49-F238E27FC236}">
+                <a16:creationId xmlns:a16="http://schemas.microsoft.com/office/drawing/2014/main" id="{29F9FA87-7345-4541-87B8-C636BAF83935}"/>
+              </a:ext>
+            </a:extLst>
+          </p:cNvPr>
+          <p:cNvSpPr/>
+          <p:nvPr/>
+        </p:nvSpPr>
+        <p:spPr>
+          <a:xfrm>
+            <a:off x="2076875" y="1938227"/>
+            <a:ext cx="432391" cy="304800"/>
+          </a:xfrm>
+          <a:custGeom>
+            <a:avLst/>
+            <a:gdLst>
+              <a:gd name="connsiteX0" fmla="*/ 0 w 432391"/>
+              <a:gd name="connsiteY0" fmla="*/ 0 h 304800"/>
+              <a:gd name="connsiteX1" fmla="*/ 191386 w 432391"/>
+              <a:gd name="connsiteY1" fmla="*/ 0 h 304800"/>
+              <a:gd name="connsiteX2" fmla="*/ 191386 w 432391"/>
+              <a:gd name="connsiteY2" fmla="*/ 304800 h 304800"/>
+              <a:gd name="connsiteX3" fmla="*/ 276447 w 432391"/>
+              <a:gd name="connsiteY3" fmla="*/ 304800 h 304800"/>
+              <a:gd name="connsiteX4" fmla="*/ 432391 w 432391"/>
+              <a:gd name="connsiteY4" fmla="*/ 304800 h 304800"/>
+              <a:gd name="connsiteX5" fmla="*/ 432391 w 432391"/>
+              <a:gd name="connsiteY5" fmla="*/ 0 h 304800"/>
+            </a:gdLst>
+            <a:ahLst/>
+            <a:cxnLst>
+              <a:cxn ang="0">
+                <a:pos x="connsiteX0" y="connsiteY0"/>
+              </a:cxn>
+              <a:cxn ang="0">
+                <a:pos x="connsiteX1" y="connsiteY1"/>
+              </a:cxn>
+              <a:cxn ang="0">
+                <a:pos x="connsiteX2" y="connsiteY2"/>
+              </a:cxn>
+              <a:cxn ang="0">
+                <a:pos x="connsiteX3" y="connsiteY3"/>
+              </a:cxn>
+              <a:cxn ang="0">
+                <a:pos x="connsiteX4" y="connsiteY4"/>
+              </a:cxn>
+              <a:cxn ang="0">
+                <a:pos x="connsiteX5" y="connsiteY5"/>
+              </a:cxn>
+            </a:cxnLst>
+            <a:rect l="l" t="t" r="r" b="b"/>
+            <a:pathLst>
+              <a:path w="432391" h="304800">
+                <a:moveTo>
+                  <a:pt x="0" y="0"/>
+                </a:moveTo>
+                <a:lnTo>
+                  <a:pt x="191386" y="0"/>
+                </a:lnTo>
+                <a:lnTo>
+                  <a:pt x="191386" y="304800"/>
+                </a:lnTo>
+                <a:lnTo>
+                  <a:pt x="276447" y="304800"/>
+                </a:lnTo>
+                <a:lnTo>
+                  <a:pt x="432391" y="304800"/>
+                </a:lnTo>
+                <a:lnTo>
+                  <a:pt x="432391" y="0"/>
+                </a:lnTo>
+              </a:path>
+            </a:pathLst>
+          </a:custGeom>
+          <a:noFill/>
+          <a:ln w="44450">
+            <a:solidFill>
+              <a:schemeClr val="bg1"/>
+            </a:solidFill>
+          </a:ln>
+        </p:spPr>
+        <p:style>
+          <a:lnRef idx="2">
+            <a:schemeClr val="accent1">
+              <a:shade val="50000"/>
+            </a:schemeClr>
+          </a:lnRef>
+          <a:fillRef idx="1">
+            <a:schemeClr val="accent1"/>
+          </a:fillRef>
+          <a:effectRef idx="0">
+            <a:schemeClr val="accent1"/>
+          </a:effectRef>
+          <a:fontRef idx="minor">
+            <a:schemeClr val="lt1"/>
+          </a:fontRef>
+        </p:style>
+        <p:txBody>
+          <a:bodyPr rtlCol="0" anchor="ctr"/>
+          <a:lstStyle/>
+          <a:p>
+            <a:pPr algn="ctr"/>
+            <a:endParaRPr lang="en-US"/>
+          </a:p>
+        </p:txBody>
+      </p:sp>
+      <p:sp>
+        <p:nvSpPr>
+          <p:cNvPr id="19" name="Freeform 18">
+            <a:extLst>
+              <a:ext uri="{FF2B5EF4-FFF2-40B4-BE49-F238E27FC236}">
+                <a16:creationId xmlns:a16="http://schemas.microsoft.com/office/drawing/2014/main" id="{1607B199-FCF6-B047-BC5A-2433E3B687CB}"/>
+              </a:ext>
+            </a:extLst>
+          </p:cNvPr>
+          <p:cNvSpPr/>
+          <p:nvPr/>
+        </p:nvSpPr>
+        <p:spPr>
+          <a:xfrm>
+            <a:off x="2488001" y="1938227"/>
+            <a:ext cx="432391" cy="304800"/>
+          </a:xfrm>
+          <a:custGeom>
+            <a:avLst/>
+            <a:gdLst>
+              <a:gd name="connsiteX0" fmla="*/ 0 w 432391"/>
+              <a:gd name="connsiteY0" fmla="*/ 0 h 304800"/>
+              <a:gd name="connsiteX1" fmla="*/ 191386 w 432391"/>
+              <a:gd name="connsiteY1" fmla="*/ 0 h 304800"/>
+              <a:gd name="connsiteX2" fmla="*/ 191386 w 432391"/>
+              <a:gd name="connsiteY2" fmla="*/ 304800 h 304800"/>
+              <a:gd name="connsiteX3" fmla="*/ 276447 w 432391"/>
+              <a:gd name="connsiteY3" fmla="*/ 304800 h 304800"/>
+              <a:gd name="connsiteX4" fmla="*/ 432391 w 432391"/>
+              <a:gd name="connsiteY4" fmla="*/ 304800 h 304800"/>
+              <a:gd name="connsiteX5" fmla="*/ 432391 w 432391"/>
+              <a:gd name="connsiteY5" fmla="*/ 0 h 304800"/>
+              <a:gd name="connsiteX0" fmla="*/ 0 w 432391"/>
+              <a:gd name="connsiteY0" fmla="*/ 0 h 304800"/>
+              <a:gd name="connsiteX1" fmla="*/ 191386 w 432391"/>
+              <a:gd name="connsiteY1" fmla="*/ 0 h 304800"/>
+              <a:gd name="connsiteX2" fmla="*/ 191386 w 432391"/>
+              <a:gd name="connsiteY2" fmla="*/ 304800 h 304800"/>
+              <a:gd name="connsiteX3" fmla="*/ 276447 w 432391"/>
+              <a:gd name="connsiteY3" fmla="*/ 304800 h 304800"/>
+              <a:gd name="connsiteX4" fmla="*/ 432391 w 432391"/>
+              <a:gd name="connsiteY4" fmla="*/ 304800 h 304800"/>
+              <a:gd name="connsiteX5" fmla="*/ 425303 w 432391"/>
+              <a:gd name="connsiteY5" fmla="*/ 141768 h 304800"/>
+            </a:gdLst>
+            <a:ahLst/>
+            <a:cxnLst>
+              <a:cxn ang="0">
+                <a:pos x="connsiteX0" y="connsiteY0"/>
+              </a:cxn>
+              <a:cxn ang="0">
+                <a:pos x="connsiteX1" y="connsiteY1"/>
+              </a:cxn>
+              <a:cxn ang="0">
+                <a:pos x="connsiteX2" y="connsiteY2"/>
+              </a:cxn>
+              <a:cxn ang="0">
+                <a:pos x="connsiteX3" y="connsiteY3"/>
+              </a:cxn>
+              <a:cxn ang="0">
+                <a:pos x="connsiteX4" y="connsiteY4"/>
+              </a:cxn>
+              <a:cxn ang="0">
+                <a:pos x="connsiteX5" y="connsiteY5"/>
+              </a:cxn>
+            </a:cxnLst>
+            <a:rect l="l" t="t" r="r" b="b"/>
+            <a:pathLst>
+              <a:path w="432391" h="304800">
+                <a:moveTo>
+                  <a:pt x="0" y="0"/>
+                </a:moveTo>
+                <a:lnTo>
+                  <a:pt x="191386" y="0"/>
+                </a:lnTo>
+                <a:lnTo>
+                  <a:pt x="191386" y="304800"/>
+                </a:lnTo>
+                <a:lnTo>
+                  <a:pt x="276447" y="304800"/>
+                </a:lnTo>
+                <a:lnTo>
+                  <a:pt x="432391" y="304800"/>
+                </a:lnTo>
+                <a:lnTo>
+                  <a:pt x="425303" y="141768"/>
+                </a:lnTo>
+              </a:path>
+            </a:pathLst>
+          </a:custGeom>
+          <a:noFill/>
+          <a:ln w="44450">
+            <a:solidFill>
+              <a:schemeClr val="bg1"/>
+            </a:solidFill>
+          </a:ln>
+        </p:spPr>
+        <p:style>
+          <a:lnRef idx="2">
+            <a:schemeClr val="accent1">
+              <a:shade val="50000"/>
+            </a:schemeClr>
+          </a:lnRef>
+          <a:fillRef idx="1">
+            <a:schemeClr val="accent1"/>
+          </a:fillRef>
+          <a:effectRef idx="0">
+            <a:schemeClr val="accent1"/>
+          </a:effectRef>
+          <a:fontRef idx="minor">
+            <a:schemeClr val="lt1"/>
+          </a:fontRef>
+        </p:style>
+        <p:txBody>
+          <a:bodyPr rtlCol="0" anchor="ctr"/>
+          <a:lstStyle/>
+          <a:p>
+            <a:pPr algn="ctr"/>
+            <a:endParaRPr lang="en-US"/>
+          </a:p>
+        </p:txBody>
+      </p:sp>
+      <p:sp>
+        <p:nvSpPr>
+          <p:cNvPr id="22" name="Freeform 21">
+            <a:extLst>
+              <a:ext uri="{FF2B5EF4-FFF2-40B4-BE49-F238E27FC236}">
+                <a16:creationId xmlns:a16="http://schemas.microsoft.com/office/drawing/2014/main" id="{CE943AE2-CDCE-A444-869B-E7DC96926C8E}"/>
+              </a:ext>
+            </a:extLst>
+          </p:cNvPr>
+          <p:cNvSpPr/>
+          <p:nvPr/>
+        </p:nvSpPr>
+        <p:spPr>
+          <a:xfrm>
+            <a:off x="1961379" y="1938227"/>
+            <a:ext cx="133963" cy="304800"/>
+          </a:xfrm>
+          <a:custGeom>
+            <a:avLst/>
+            <a:gdLst>
+              <a:gd name="connsiteX0" fmla="*/ 0 w 432391"/>
+              <a:gd name="connsiteY0" fmla="*/ 0 h 304800"/>
+              <a:gd name="connsiteX1" fmla="*/ 191386 w 432391"/>
+              <a:gd name="connsiteY1" fmla="*/ 0 h 304800"/>
+              <a:gd name="connsiteX2" fmla="*/ 191386 w 432391"/>
+              <a:gd name="connsiteY2" fmla="*/ 304800 h 304800"/>
+              <a:gd name="connsiteX3" fmla="*/ 276447 w 432391"/>
+              <a:gd name="connsiteY3" fmla="*/ 304800 h 304800"/>
+              <a:gd name="connsiteX4" fmla="*/ 432391 w 432391"/>
+              <a:gd name="connsiteY4" fmla="*/ 304800 h 304800"/>
+              <a:gd name="connsiteX5" fmla="*/ 432391 w 432391"/>
+              <a:gd name="connsiteY5" fmla="*/ 0 h 304800"/>
+              <a:gd name="connsiteX0" fmla="*/ 0 w 432391"/>
+              <a:gd name="connsiteY0" fmla="*/ 0 h 304800"/>
+              <a:gd name="connsiteX1" fmla="*/ 191386 w 432391"/>
+              <a:gd name="connsiteY1" fmla="*/ 0 h 304800"/>
+              <a:gd name="connsiteX2" fmla="*/ 276447 w 432391"/>
+              <a:gd name="connsiteY2" fmla="*/ 304800 h 304800"/>
+              <a:gd name="connsiteX3" fmla="*/ 432391 w 432391"/>
+              <a:gd name="connsiteY3" fmla="*/ 304800 h 304800"/>
+              <a:gd name="connsiteX4" fmla="*/ 432391 w 432391"/>
+              <a:gd name="connsiteY4" fmla="*/ 0 h 304800"/>
+              <a:gd name="connsiteX0" fmla="*/ 0 w 241005"/>
+              <a:gd name="connsiteY0" fmla="*/ 0 h 304800"/>
+              <a:gd name="connsiteX1" fmla="*/ 85061 w 241005"/>
+              <a:gd name="connsiteY1" fmla="*/ 304800 h 304800"/>
+              <a:gd name="connsiteX2" fmla="*/ 241005 w 241005"/>
+              <a:gd name="connsiteY2" fmla="*/ 304800 h 304800"/>
+              <a:gd name="connsiteX3" fmla="*/ 241005 w 241005"/>
+              <a:gd name="connsiteY3" fmla="*/ 0 h 304800"/>
+              <a:gd name="connsiteX0" fmla="*/ 0 w 155944"/>
+              <a:gd name="connsiteY0" fmla="*/ 304800 h 304800"/>
+              <a:gd name="connsiteX1" fmla="*/ 155944 w 155944"/>
+              <a:gd name="connsiteY1" fmla="*/ 304800 h 304800"/>
+              <a:gd name="connsiteX2" fmla="*/ 155944 w 155944"/>
+              <a:gd name="connsiteY2" fmla="*/ 0 h 304800"/>
+              <a:gd name="connsiteX0" fmla="*/ 0 w 133963"/>
+              <a:gd name="connsiteY0" fmla="*/ 300403 h 304800"/>
+              <a:gd name="connsiteX1" fmla="*/ 133963 w 133963"/>
+              <a:gd name="connsiteY1" fmla="*/ 304800 h 304800"/>
+              <a:gd name="connsiteX2" fmla="*/ 133963 w 133963"/>
+              <a:gd name="connsiteY2" fmla="*/ 0 h 304800"/>
+              <a:gd name="connsiteX0" fmla="*/ 0 w 133963"/>
+              <a:gd name="connsiteY0" fmla="*/ 304799 h 304800"/>
+              <a:gd name="connsiteX1" fmla="*/ 133963 w 133963"/>
+              <a:gd name="connsiteY1" fmla="*/ 304800 h 304800"/>
+              <a:gd name="connsiteX2" fmla="*/ 133963 w 133963"/>
+              <a:gd name="connsiteY2" fmla="*/ 0 h 304800"/>
+            </a:gdLst>
+            <a:ahLst/>
+            <a:cxnLst>
+              <a:cxn ang="0">
+                <a:pos x="connsiteX0" y="connsiteY0"/>
+              </a:cxn>
+              <a:cxn ang="0">
+                <a:pos x="connsiteX1" y="connsiteY1"/>
+              </a:cxn>
+              <a:cxn ang="0">
+                <a:pos x="connsiteX2" y="connsiteY2"/>
+              </a:cxn>
+            </a:cxnLst>
+            <a:rect l="l" t="t" r="r" b="b"/>
+            <a:pathLst>
+              <a:path w="133963" h="304800">
+                <a:moveTo>
+                  <a:pt x="0" y="304799"/>
+                </a:moveTo>
+                <a:lnTo>
+                  <a:pt x="133963" y="304800"/>
+                </a:lnTo>
+                <a:lnTo>
+                  <a:pt x="133963" y="0"/>
+                </a:lnTo>
+              </a:path>
+            </a:pathLst>
+          </a:custGeom>
+          <a:noFill/>
+          <a:ln w="44450">
+            <a:solidFill>
+              <a:schemeClr val="bg1"/>
+            </a:solidFill>
+          </a:ln>
+        </p:spPr>
+        <p:style>
+          <a:lnRef idx="2">
+            <a:schemeClr val="accent1">
+              <a:shade val="50000"/>
+            </a:schemeClr>
+          </a:lnRef>
+          <a:fillRef idx="1">
+            <a:schemeClr val="accent1"/>
+          </a:fillRef>
+          <a:effectRef idx="0">
+            <a:schemeClr val="accent1"/>
+          </a:effectRef>
+          <a:fontRef idx="minor">
+            <a:schemeClr val="lt1"/>
+          </a:fontRef>
+        </p:style>
+        <p:txBody>
+          <a:bodyPr rtlCol="0" anchor="ctr"/>
+          <a:lstStyle/>
+          <a:p>
+            <a:pPr algn="ctr"/>
+            <a:endParaRPr lang="en-US"/>
+          </a:p>
+        </p:txBody>
+      </p:sp>
+      <p:sp>
+        <p:nvSpPr>
+          <p:cNvPr id="30" name="Rounded Rectangle 29">
+            <a:extLst>
+              <a:ext uri="{FF2B5EF4-FFF2-40B4-BE49-F238E27FC236}">
+                <a16:creationId xmlns:a16="http://schemas.microsoft.com/office/drawing/2014/main" id="{B115129F-ECB8-6B48-A9BC-16C5E27E86F9}"/>
+              </a:ext>
+            </a:extLst>
+          </p:cNvPr>
+          <p:cNvSpPr/>
+          <p:nvPr/>
+        </p:nvSpPr>
+        <p:spPr>
+          <a:xfrm>
+            <a:off x="9380342" y="1839967"/>
+            <a:ext cx="1124606" cy="472966"/>
+          </a:xfrm>
+          <a:prstGeom prst="roundRect">
+            <a:avLst/>
+          </a:prstGeom>
+          <a:solidFill>
+            <a:schemeClr val="accent2">
+              <a:lumMod val="60000"/>
+              <a:lumOff val="40000"/>
+            </a:schemeClr>
+          </a:solidFill>
+        </p:spPr>
+        <p:style>
+          <a:lnRef idx="3">
+            <a:schemeClr val="lt1"/>
+          </a:lnRef>
+          <a:fillRef idx="1">
+            <a:schemeClr val="accent1"/>
+          </a:fillRef>
+          <a:effectRef idx="1">
+            <a:schemeClr val="accent1"/>
+          </a:effectRef>
+          <a:fontRef idx="minor">
+            <a:schemeClr val="lt1"/>
+          </a:fontRef>
+        </p:style>
+        <p:txBody>
+          <a:bodyPr rtlCol="0" anchor="ctr"/>
+          <a:lstStyle/>
+          <a:p>
+            <a:r>
+              <a:rPr lang="en-US">
+                <a:solidFill>
+                  <a:schemeClr val="lt1"/>
+                </a:solidFill>
+              </a:rPr>
+              <a:t>Clock</a:t>
+            </a:r>
+          </a:p>
+        </p:txBody>
+      </p:sp>
+      <p:pic>
+        <p:nvPicPr>
+          <p:cNvPr id="31" name="Picture 30" descr="A picture containing building&#10;&#10;Description automatically generated">
+            <a:extLst>
+              <a:ext uri="{FF2B5EF4-FFF2-40B4-BE49-F238E27FC236}">
+                <a16:creationId xmlns:a16="http://schemas.microsoft.com/office/drawing/2014/main" id="{61199FA8-DF43-2F44-86A2-AEECB5B3252B}"/>
+              </a:ext>
+            </a:extLst>
+          </p:cNvPr>
+          <p:cNvPicPr>
+            <a:picLocks noChangeAspect="1"/>
+          </p:cNvPicPr>
+          <p:nvPr/>
+        </p:nvPicPr>
+        <p:blipFill>
+          <a:blip r:embed="rId2">
+            <a:alphaModFix/>
+            <a:extLst>
+              <a:ext uri="{BEBA8EAE-BF5A-486C-A8C5-ECC9F3942E4B}">
+                <a14:imgProps xmlns:a14="http://schemas.microsoft.com/office/drawing/2010/main">
+                  <a14:imgLayer r:embed="rId4">
+                    <a14:imgEffect>
+                      <a14:brightnessContrast bright="100000" contrast="-26000"/>
+                    </a14:imgEffect>
+                  </a14:imgLayer>
+                </a14:imgProps>
+              </a:ext>
+            </a:extLst>
+          </a:blip>
+          <a:stretch>
+            <a:fillRect/>
+          </a:stretch>
+        </p:blipFill>
+        <p:spPr>
+          <a:xfrm>
+            <a:off x="10108583" y="1948848"/>
+            <a:ext cx="275896" cy="275896"/>
+          </a:xfrm>
+          <a:prstGeom prst="rect">
+            <a:avLst/>
+          </a:prstGeom>
+        </p:spPr>
+      </p:pic>
+      <p:sp>
+        <p:nvSpPr>
+          <p:cNvPr id="32" name="Freeform 31">
+            <a:extLst>
+              <a:ext uri="{FF2B5EF4-FFF2-40B4-BE49-F238E27FC236}">
+                <a16:creationId xmlns:a16="http://schemas.microsoft.com/office/drawing/2014/main" id="{CCCFA2EC-7FD5-D842-8597-5E6E4A66BB6E}"/>
+              </a:ext>
+            </a:extLst>
+          </p:cNvPr>
+          <p:cNvSpPr/>
+          <p:nvPr/>
+        </p:nvSpPr>
+        <p:spPr>
+          <a:xfrm flipH="1">
+            <a:off x="8965923" y="1938227"/>
+            <a:ext cx="432391" cy="304800"/>
+          </a:xfrm>
+          <a:custGeom>
+            <a:avLst/>
+            <a:gdLst>
+              <a:gd name="connsiteX0" fmla="*/ 0 w 432391"/>
+              <a:gd name="connsiteY0" fmla="*/ 0 h 304800"/>
+              <a:gd name="connsiteX1" fmla="*/ 191386 w 432391"/>
+              <a:gd name="connsiteY1" fmla="*/ 0 h 304800"/>
+              <a:gd name="connsiteX2" fmla="*/ 191386 w 432391"/>
+              <a:gd name="connsiteY2" fmla="*/ 304800 h 304800"/>
+              <a:gd name="connsiteX3" fmla="*/ 276447 w 432391"/>
+              <a:gd name="connsiteY3" fmla="*/ 304800 h 304800"/>
+              <a:gd name="connsiteX4" fmla="*/ 432391 w 432391"/>
+              <a:gd name="connsiteY4" fmla="*/ 304800 h 304800"/>
+              <a:gd name="connsiteX5" fmla="*/ 432391 w 432391"/>
+              <a:gd name="connsiteY5" fmla="*/ 0 h 304800"/>
+            </a:gdLst>
+            <a:ahLst/>
+            <a:cxnLst>
+              <a:cxn ang="0">
+                <a:pos x="connsiteX0" y="connsiteY0"/>
+              </a:cxn>
+              <a:cxn ang="0">
+                <a:pos x="connsiteX1" y="connsiteY1"/>
+              </a:cxn>
+              <a:cxn ang="0">
+                <a:pos x="connsiteX2" y="connsiteY2"/>
+              </a:cxn>
+              <a:cxn ang="0">
+                <a:pos x="connsiteX3" y="connsiteY3"/>
+              </a:cxn>
+              <a:cxn ang="0">
+                <a:pos x="connsiteX4" y="connsiteY4"/>
+              </a:cxn>
+              <a:cxn ang="0">
+                <a:pos x="connsiteX5" y="connsiteY5"/>
+              </a:cxn>
+            </a:cxnLst>
+            <a:rect l="l" t="t" r="r" b="b"/>
+            <a:pathLst>
+              <a:path w="432391" h="304800">
+                <a:moveTo>
+                  <a:pt x="0" y="0"/>
+                </a:moveTo>
+                <a:lnTo>
+                  <a:pt x="191386" y="0"/>
+                </a:lnTo>
+                <a:lnTo>
+                  <a:pt x="191386" y="304800"/>
+                </a:lnTo>
+                <a:lnTo>
+                  <a:pt x="276447" y="304800"/>
+                </a:lnTo>
+                <a:lnTo>
+                  <a:pt x="432391" y="304800"/>
+                </a:lnTo>
+                <a:lnTo>
+                  <a:pt x="432391" y="0"/>
+                </a:lnTo>
+              </a:path>
+            </a:pathLst>
+          </a:custGeom>
+          <a:noFill/>
+          <a:ln w="44450">
+            <a:solidFill>
+              <a:schemeClr val="tx1"/>
+            </a:solidFill>
+          </a:ln>
+        </p:spPr>
+        <p:style>
+          <a:lnRef idx="2">
+            <a:schemeClr val="accent1">
+              <a:shade val="50000"/>
+            </a:schemeClr>
+          </a:lnRef>
+          <a:fillRef idx="1">
+            <a:schemeClr val="accent1"/>
+          </a:fillRef>
+          <a:effectRef idx="0">
+            <a:schemeClr val="accent1"/>
+          </a:effectRef>
+          <a:fontRef idx="minor">
+            <a:schemeClr val="lt1"/>
+          </a:fontRef>
+        </p:style>
+        <p:txBody>
+          <a:bodyPr rtlCol="0" anchor="ctr"/>
+          <a:lstStyle/>
+          <a:p>
+            <a:pPr algn="ctr"/>
+            <a:endParaRPr lang="en-US"/>
+          </a:p>
+        </p:txBody>
+      </p:sp>
+      <p:sp>
+        <p:nvSpPr>
+          <p:cNvPr id="33" name="Freeform 32">
+            <a:extLst>
+              <a:ext uri="{FF2B5EF4-FFF2-40B4-BE49-F238E27FC236}">
+                <a16:creationId xmlns:a16="http://schemas.microsoft.com/office/drawing/2014/main" id="{73083DBD-DDAE-0347-B3E6-5477118BFA17}"/>
+              </a:ext>
+            </a:extLst>
+          </p:cNvPr>
+          <p:cNvSpPr/>
+          <p:nvPr/>
+        </p:nvSpPr>
+        <p:spPr>
+          <a:xfrm flipH="1">
+            <a:off x="8554797" y="1938227"/>
+            <a:ext cx="432391" cy="304800"/>
+          </a:xfrm>
+          <a:custGeom>
+            <a:avLst/>
+            <a:gdLst>
+              <a:gd name="connsiteX0" fmla="*/ 0 w 432391"/>
+              <a:gd name="connsiteY0" fmla="*/ 0 h 304800"/>
+              <a:gd name="connsiteX1" fmla="*/ 191386 w 432391"/>
+              <a:gd name="connsiteY1" fmla="*/ 0 h 304800"/>
+              <a:gd name="connsiteX2" fmla="*/ 191386 w 432391"/>
+              <a:gd name="connsiteY2" fmla="*/ 304800 h 304800"/>
+              <a:gd name="connsiteX3" fmla="*/ 276447 w 432391"/>
+              <a:gd name="connsiteY3" fmla="*/ 304800 h 304800"/>
+              <a:gd name="connsiteX4" fmla="*/ 432391 w 432391"/>
+              <a:gd name="connsiteY4" fmla="*/ 304800 h 304800"/>
+              <a:gd name="connsiteX5" fmla="*/ 432391 w 432391"/>
+              <a:gd name="connsiteY5" fmla="*/ 0 h 304800"/>
+            </a:gdLst>
+            <a:ahLst/>
+            <a:cxnLst>
+              <a:cxn ang="0">
+                <a:pos x="connsiteX0" y="connsiteY0"/>
+              </a:cxn>
+              <a:cxn ang="0">
+                <a:pos x="connsiteX1" y="connsiteY1"/>
+              </a:cxn>
+              <a:cxn ang="0">
+                <a:pos x="connsiteX2" y="connsiteY2"/>
+              </a:cxn>
+              <a:cxn ang="0">
+                <a:pos x="connsiteX3" y="connsiteY3"/>
+              </a:cxn>
+              <a:cxn ang="0">
+                <a:pos x="connsiteX4" y="connsiteY4"/>
+              </a:cxn>
+              <a:cxn ang="0">
+                <a:pos x="connsiteX5" y="connsiteY5"/>
+              </a:cxn>
+            </a:cxnLst>
+            <a:rect l="l" t="t" r="r" b="b"/>
+            <a:pathLst>
+              <a:path w="432391" h="304800">
+                <a:moveTo>
+                  <a:pt x="0" y="0"/>
+                </a:moveTo>
+                <a:lnTo>
+                  <a:pt x="191386" y="0"/>
+                </a:lnTo>
+                <a:lnTo>
+                  <a:pt x="191386" y="304800"/>
+                </a:lnTo>
+                <a:lnTo>
+                  <a:pt x="276447" y="304800"/>
+                </a:lnTo>
+                <a:lnTo>
+                  <a:pt x="432391" y="304800"/>
+                </a:lnTo>
+                <a:lnTo>
+                  <a:pt x="432391" y="0"/>
+                </a:lnTo>
+              </a:path>
+            </a:pathLst>
+          </a:custGeom>
+          <a:noFill/>
+          <a:ln w="44450">
+            <a:solidFill>
+              <a:schemeClr val="bg1"/>
+            </a:solidFill>
+          </a:ln>
+        </p:spPr>
+        <p:style>
+          <a:lnRef idx="2">
+            <a:schemeClr val="accent1">
+              <a:shade val="50000"/>
+            </a:schemeClr>
+          </a:lnRef>
+          <a:fillRef idx="1">
+            <a:schemeClr val="accent1"/>
+          </a:fillRef>
+          <a:effectRef idx="0">
+            <a:schemeClr val="accent1"/>
+          </a:effectRef>
+          <a:fontRef idx="minor">
+            <a:schemeClr val="lt1"/>
+          </a:fontRef>
+        </p:style>
+        <p:txBody>
+          <a:bodyPr rtlCol="0" anchor="ctr"/>
+          <a:lstStyle/>
+          <a:p>
+            <a:pPr algn="ctr"/>
+            <a:endParaRPr lang="en-US"/>
+          </a:p>
+        </p:txBody>
+      </p:sp>
+      <p:sp>
+        <p:nvSpPr>
+          <p:cNvPr id="34" name="Freeform 33">
+            <a:extLst>
+              <a:ext uri="{FF2B5EF4-FFF2-40B4-BE49-F238E27FC236}">
+                <a16:creationId xmlns:a16="http://schemas.microsoft.com/office/drawing/2014/main" id="{BDE1F124-E539-5448-9C40-0970D5E2CC58}"/>
+              </a:ext>
+            </a:extLst>
+          </p:cNvPr>
+          <p:cNvSpPr/>
+          <p:nvPr/>
+        </p:nvSpPr>
+        <p:spPr>
+          <a:xfrm flipH="1">
+            <a:off x="8143671" y="1938227"/>
+            <a:ext cx="432391" cy="304800"/>
+          </a:xfrm>
+          <a:custGeom>
+            <a:avLst/>
+            <a:gdLst>
+              <a:gd name="connsiteX0" fmla="*/ 0 w 432391"/>
+              <a:gd name="connsiteY0" fmla="*/ 0 h 304800"/>
+              <a:gd name="connsiteX1" fmla="*/ 191386 w 432391"/>
+              <a:gd name="connsiteY1" fmla="*/ 0 h 304800"/>
+              <a:gd name="connsiteX2" fmla="*/ 191386 w 432391"/>
+              <a:gd name="connsiteY2" fmla="*/ 304800 h 304800"/>
+              <a:gd name="connsiteX3" fmla="*/ 276447 w 432391"/>
+              <a:gd name="connsiteY3" fmla="*/ 304800 h 304800"/>
+              <a:gd name="connsiteX4" fmla="*/ 432391 w 432391"/>
+              <a:gd name="connsiteY4" fmla="*/ 304800 h 304800"/>
+              <a:gd name="connsiteX5" fmla="*/ 432391 w 432391"/>
+              <a:gd name="connsiteY5" fmla="*/ 0 h 304800"/>
+              <a:gd name="connsiteX0" fmla="*/ 0 w 432391"/>
+              <a:gd name="connsiteY0" fmla="*/ 0 h 304800"/>
+              <a:gd name="connsiteX1" fmla="*/ 191386 w 432391"/>
+              <a:gd name="connsiteY1" fmla="*/ 0 h 304800"/>
+              <a:gd name="connsiteX2" fmla="*/ 191386 w 432391"/>
+              <a:gd name="connsiteY2" fmla="*/ 304800 h 304800"/>
+              <a:gd name="connsiteX3" fmla="*/ 276447 w 432391"/>
+              <a:gd name="connsiteY3" fmla="*/ 304800 h 304800"/>
+              <a:gd name="connsiteX4" fmla="*/ 432391 w 432391"/>
+              <a:gd name="connsiteY4" fmla="*/ 304800 h 304800"/>
+              <a:gd name="connsiteX5" fmla="*/ 425303 w 432391"/>
+              <a:gd name="connsiteY5" fmla="*/ 141768 h 304800"/>
+            </a:gdLst>
+            <a:ahLst/>
+            <a:cxnLst>
+              <a:cxn ang="0">
+                <a:pos x="connsiteX0" y="connsiteY0"/>
+              </a:cxn>
+              <a:cxn ang="0">
+                <a:pos x="connsiteX1" y="connsiteY1"/>
+              </a:cxn>
+              <a:cxn ang="0">
+                <a:pos x="connsiteX2" y="connsiteY2"/>
+              </a:cxn>
+              <a:cxn ang="0">
+                <a:pos x="connsiteX3" y="connsiteY3"/>
+              </a:cxn>
+              <a:cxn ang="0">
+                <a:pos x="connsiteX4" y="connsiteY4"/>
+              </a:cxn>
+              <a:cxn ang="0">
+                <a:pos x="connsiteX5" y="connsiteY5"/>
+              </a:cxn>
+            </a:cxnLst>
+            <a:rect l="l" t="t" r="r" b="b"/>
+            <a:pathLst>
+              <a:path w="432391" h="304800">
+                <a:moveTo>
+                  <a:pt x="0" y="0"/>
+                </a:moveTo>
+                <a:lnTo>
+                  <a:pt x="191386" y="0"/>
+                </a:lnTo>
+                <a:lnTo>
+                  <a:pt x="191386" y="304800"/>
+                </a:lnTo>
+                <a:lnTo>
+                  <a:pt x="276447" y="304800"/>
+                </a:lnTo>
+                <a:lnTo>
+                  <a:pt x="432391" y="304800"/>
+                </a:lnTo>
+                <a:lnTo>
+                  <a:pt x="425303" y="141768"/>
+                </a:lnTo>
+              </a:path>
+            </a:pathLst>
+          </a:custGeom>
+          <a:noFill/>
+          <a:ln w="44450">
+            <a:solidFill>
+              <a:schemeClr val="bg1"/>
+            </a:solidFill>
+          </a:ln>
+        </p:spPr>
+        <p:style>
+          <a:lnRef idx="2">
+            <a:schemeClr val="accent1">
+              <a:shade val="50000"/>
+            </a:schemeClr>
+          </a:lnRef>
+          <a:fillRef idx="1">
+            <a:schemeClr val="accent1"/>
+          </a:fillRef>
+          <a:effectRef idx="0">
+            <a:schemeClr val="accent1"/>
+          </a:effectRef>
+          <a:fontRef idx="minor">
+            <a:schemeClr val="lt1"/>
+          </a:fontRef>
+        </p:style>
+        <p:txBody>
+          <a:bodyPr rtlCol="0" anchor="ctr"/>
+          <a:lstStyle/>
+          <a:p>
+            <a:pPr algn="ctr"/>
+            <a:endParaRPr lang="en-US"/>
+          </a:p>
+        </p:txBody>
+      </p:sp>
+      <p:sp>
+        <p:nvSpPr>
+          <p:cNvPr id="35" name="Freeform 34">
+            <a:extLst>
+              <a:ext uri="{FF2B5EF4-FFF2-40B4-BE49-F238E27FC236}">
+                <a16:creationId xmlns:a16="http://schemas.microsoft.com/office/drawing/2014/main" id="{42837D51-596B-C949-937B-55B3572315C2}"/>
+              </a:ext>
+            </a:extLst>
+          </p:cNvPr>
+          <p:cNvSpPr/>
+          <p:nvPr/>
+        </p:nvSpPr>
+        <p:spPr>
+          <a:xfrm flipH="1">
+            <a:off x="8968721" y="1938227"/>
+            <a:ext cx="133963" cy="304800"/>
+          </a:xfrm>
+          <a:custGeom>
+            <a:avLst/>
+            <a:gdLst>
+              <a:gd name="connsiteX0" fmla="*/ 0 w 432391"/>
+              <a:gd name="connsiteY0" fmla="*/ 0 h 304800"/>
+              <a:gd name="connsiteX1" fmla="*/ 191386 w 432391"/>
+              <a:gd name="connsiteY1" fmla="*/ 0 h 304800"/>
+              <a:gd name="connsiteX2" fmla="*/ 191386 w 432391"/>
+              <a:gd name="connsiteY2" fmla="*/ 304800 h 304800"/>
+              <a:gd name="connsiteX3" fmla="*/ 276447 w 432391"/>
+              <a:gd name="connsiteY3" fmla="*/ 304800 h 304800"/>
+              <a:gd name="connsiteX4" fmla="*/ 432391 w 432391"/>
+              <a:gd name="connsiteY4" fmla="*/ 304800 h 304800"/>
+              <a:gd name="connsiteX5" fmla="*/ 432391 w 432391"/>
+              <a:gd name="connsiteY5" fmla="*/ 0 h 304800"/>
+              <a:gd name="connsiteX0" fmla="*/ 0 w 432391"/>
+              <a:gd name="connsiteY0" fmla="*/ 0 h 304800"/>
+              <a:gd name="connsiteX1" fmla="*/ 191386 w 432391"/>
+              <a:gd name="connsiteY1" fmla="*/ 0 h 304800"/>
+              <a:gd name="connsiteX2" fmla="*/ 276447 w 432391"/>
+              <a:gd name="connsiteY2" fmla="*/ 304800 h 304800"/>
+              <a:gd name="connsiteX3" fmla="*/ 432391 w 432391"/>
+              <a:gd name="connsiteY3" fmla="*/ 304800 h 304800"/>
+              <a:gd name="connsiteX4" fmla="*/ 432391 w 432391"/>
+              <a:gd name="connsiteY4" fmla="*/ 0 h 304800"/>
+              <a:gd name="connsiteX0" fmla="*/ 0 w 241005"/>
+              <a:gd name="connsiteY0" fmla="*/ 0 h 304800"/>
+              <a:gd name="connsiteX1" fmla="*/ 85061 w 241005"/>
+              <a:gd name="connsiteY1" fmla="*/ 304800 h 304800"/>
+              <a:gd name="connsiteX2" fmla="*/ 241005 w 241005"/>
+              <a:gd name="connsiteY2" fmla="*/ 304800 h 304800"/>
+              <a:gd name="connsiteX3" fmla="*/ 241005 w 241005"/>
+              <a:gd name="connsiteY3" fmla="*/ 0 h 304800"/>
+              <a:gd name="connsiteX0" fmla="*/ 0 w 155944"/>
+              <a:gd name="connsiteY0" fmla="*/ 304800 h 304800"/>
+              <a:gd name="connsiteX1" fmla="*/ 155944 w 155944"/>
+              <a:gd name="connsiteY1" fmla="*/ 304800 h 304800"/>
+              <a:gd name="connsiteX2" fmla="*/ 155944 w 155944"/>
+              <a:gd name="connsiteY2" fmla="*/ 0 h 304800"/>
+              <a:gd name="connsiteX0" fmla="*/ 0 w 133963"/>
+              <a:gd name="connsiteY0" fmla="*/ 300403 h 304800"/>
+              <a:gd name="connsiteX1" fmla="*/ 133963 w 133963"/>
+              <a:gd name="connsiteY1" fmla="*/ 304800 h 304800"/>
+              <a:gd name="connsiteX2" fmla="*/ 133963 w 133963"/>
+              <a:gd name="connsiteY2" fmla="*/ 0 h 304800"/>
+              <a:gd name="connsiteX0" fmla="*/ 0 w 133963"/>
+              <a:gd name="connsiteY0" fmla="*/ 304799 h 304800"/>
+              <a:gd name="connsiteX1" fmla="*/ 133963 w 133963"/>
+              <a:gd name="connsiteY1" fmla="*/ 304800 h 304800"/>
+              <a:gd name="connsiteX2" fmla="*/ 133963 w 133963"/>
+              <a:gd name="connsiteY2" fmla="*/ 0 h 304800"/>
+            </a:gdLst>
+            <a:ahLst/>
+            <a:cxnLst>
+              <a:cxn ang="0">
+                <a:pos x="connsiteX0" y="connsiteY0"/>
+              </a:cxn>
+              <a:cxn ang="0">
+                <a:pos x="connsiteX1" y="connsiteY1"/>
+              </a:cxn>
+              <a:cxn ang="0">
+                <a:pos x="connsiteX2" y="connsiteY2"/>
+              </a:cxn>
+            </a:cxnLst>
+            <a:rect l="l" t="t" r="r" b="b"/>
+            <a:pathLst>
+              <a:path w="133963" h="304800">
+                <a:moveTo>
+                  <a:pt x="0" y="304799"/>
+                </a:moveTo>
+                <a:lnTo>
+                  <a:pt x="133963" y="304800"/>
+                </a:lnTo>
+                <a:lnTo>
+                  <a:pt x="133963" y="0"/>
+                </a:lnTo>
+              </a:path>
+            </a:pathLst>
+          </a:custGeom>
+          <a:noFill/>
+          <a:ln w="44450">
+            <a:solidFill>
+              <a:schemeClr val="bg1"/>
+            </a:solidFill>
+          </a:ln>
+        </p:spPr>
+        <p:style>
+          <a:lnRef idx="2">
+            <a:schemeClr val="accent1">
+              <a:shade val="50000"/>
+            </a:schemeClr>
+          </a:lnRef>
+          <a:fillRef idx="1">
+            <a:schemeClr val="accent1"/>
+          </a:fillRef>
+          <a:effectRef idx="0">
+            <a:schemeClr val="accent1"/>
+          </a:effectRef>
+          <a:fontRef idx="minor">
+            <a:schemeClr val="lt1"/>
+          </a:fontRef>
+        </p:style>
+        <p:txBody>
+          <a:bodyPr rtlCol="0" anchor="ctr"/>
+          <a:lstStyle/>
+          <a:p>
+            <a:pPr algn="ctr"/>
+            <a:endParaRPr lang="en-US"/>
           </a:p>
         </p:txBody>
       </p:sp>
